--- a/presentation/Insight into the WNBA.pptx
+++ b/presentation/Insight into the WNBA.pptx
@@ -5,10 +5,10 @@
     <p:sldMasterId id="2147483696" r:id="rId4"/>
   </p:sldMasterIdLst>
   <p:notesMasterIdLst>
-    <p:notesMasterId r:id="rId17"/>
+    <p:notesMasterId r:id="rId16"/>
   </p:notesMasterIdLst>
   <p:handoutMasterIdLst>
-    <p:handoutMasterId r:id="rId18"/>
+    <p:handoutMasterId r:id="rId17"/>
   </p:handoutMasterIdLst>
   <p:sldIdLst>
     <p:sldId id="334" r:id="rId5"/>
@@ -17,12 +17,11 @@
     <p:sldId id="351" r:id="rId8"/>
     <p:sldId id="361" r:id="rId9"/>
     <p:sldId id="337" r:id="rId10"/>
-    <p:sldId id="345" r:id="rId11"/>
-    <p:sldId id="343" r:id="rId12"/>
-    <p:sldId id="342" r:id="rId13"/>
-    <p:sldId id="346" r:id="rId14"/>
-    <p:sldId id="328" r:id="rId15"/>
-    <p:sldId id="349" r:id="rId16"/>
+    <p:sldId id="343" r:id="rId11"/>
+    <p:sldId id="342" r:id="rId12"/>
+    <p:sldId id="346" r:id="rId13"/>
+    <p:sldId id="328" r:id="rId14"/>
+    <p:sldId id="349" r:id="rId15"/>
   </p:sldIdLst>
   <p:sldSz cx="12192000" cy="6858000"/>
   <p:notesSz cx="6858000" cy="9144000"/>
@@ -248,7 +247,7 @@
           <a:p>
             <a:fld id="{A3888634-FBA9-41D6-8B35-EE3A7D816B7C}" type="datetimeFigureOut">
               <a:rPr lang="en-US" smtClean="0"/>
-              <a:t>3/1/2025</a:t>
+              <a:t>3/4/2025</a:t>
             </a:fld>
             <a:endParaRPr lang="en-US" dirty="0"/>
           </a:p>
@@ -425,7 +424,7 @@
           <a:p>
             <a:fld id="{5EA28068-AFBD-4979-B752-9EB6F90B1386}" type="datetimeFigureOut">
               <a:rPr lang="en-US" smtClean="0"/>
-              <a:t>3/1/2025</a:t>
+              <a:t>3/4/2025</a:t>
             </a:fld>
             <a:endParaRPr lang="en-US" dirty="0"/>
           </a:p>
@@ -850,7 +849,7 @@
     </p:spTree>
     <p:extLst>
       <p:ext uri="{BB962C8B-B14F-4D97-AF65-F5344CB8AC3E}">
-        <p14:creationId xmlns:p14="http://schemas.microsoft.com/office/powerpoint/2010/main" val="28369859"/>
+        <p14:creationId xmlns:p14="http://schemas.microsoft.com/office/powerpoint/2010/main" val="373993397"/>
       </p:ext>
     </p:extLst>
   </p:cSld>
@@ -926,90 +925,6 @@
             <a:fld id="{D5939589-3E79-4C82-AA4A-FE78234FAA59}" type="slidenum">
               <a:rPr lang="en-US" smtClean="0"/>
               <a:t>11</a:t>
-            </a:fld>
-            <a:endParaRPr lang="en-US" dirty="0"/>
-          </a:p>
-        </p:txBody>
-      </p:sp>
-    </p:spTree>
-    <p:extLst>
-      <p:ext uri="{BB962C8B-B14F-4D97-AF65-F5344CB8AC3E}">
-        <p14:creationId xmlns:p14="http://schemas.microsoft.com/office/powerpoint/2010/main" val="373993397"/>
-      </p:ext>
-    </p:extLst>
-  </p:cSld>
-  <p:clrMapOvr>
-    <a:masterClrMapping/>
-  </p:clrMapOvr>
-</p:notes>
-</file>
-
-<file path=ppt/notesSlides/notesSlide12.xml><?xml version="1.0" encoding="utf-8"?>
-<p:notes xmlns:a="http://schemas.openxmlformats.org/drawingml/2006/main" xmlns:r="http://schemas.openxmlformats.org/officeDocument/2006/relationships" xmlns:p="http://schemas.openxmlformats.org/presentationml/2006/main">
-  <p:cSld>
-    <p:spTree>
-      <p:nvGrpSpPr>
-        <p:cNvPr id="1" name=""/>
-        <p:cNvGrpSpPr/>
-        <p:nvPr/>
-      </p:nvGrpSpPr>
-      <p:grpSpPr>
-        <a:xfrm>
-          <a:off x="0" y="0"/>
-          <a:ext cx="0" cy="0"/>
-          <a:chOff x="0" y="0"/>
-          <a:chExt cx="0" cy="0"/>
-        </a:xfrm>
-      </p:grpSpPr>
-      <p:sp>
-        <p:nvSpPr>
-          <p:cNvPr id="2" name="Slide Image Placeholder 1"/>
-          <p:cNvSpPr>
-            <a:spLocks noGrp="1" noRot="1" noChangeAspect="1"/>
-          </p:cNvSpPr>
-          <p:nvPr>
-            <p:ph type="sldImg"/>
-          </p:nvPr>
-        </p:nvSpPr>
-        <p:spPr/>
-      </p:sp>
-      <p:sp>
-        <p:nvSpPr>
-          <p:cNvPr id="3" name="Notes Placeholder 2"/>
-          <p:cNvSpPr>
-            <a:spLocks noGrp="1"/>
-          </p:cNvSpPr>
-          <p:nvPr>
-            <p:ph type="body" idx="1"/>
-          </p:nvPr>
-        </p:nvSpPr>
-        <p:spPr/>
-        <p:txBody>
-          <a:bodyPr/>
-          <a:lstStyle/>
-          <a:p>
-            <a:endParaRPr lang="en-US" dirty="0"/>
-          </a:p>
-        </p:txBody>
-      </p:sp>
-      <p:sp>
-        <p:nvSpPr>
-          <p:cNvPr id="4" name="Slide Number Placeholder 3"/>
-          <p:cNvSpPr>
-            <a:spLocks noGrp="1"/>
-          </p:cNvSpPr>
-          <p:nvPr>
-            <p:ph type="sldNum" sz="quarter" idx="5"/>
-          </p:nvPr>
-        </p:nvSpPr>
-        <p:spPr/>
-        <p:txBody>
-          <a:bodyPr/>
-          <a:lstStyle/>
-          <a:p>
-            <a:fld id="{D5939589-3E79-4C82-AA4A-FE78234FAA59}" type="slidenum">
-              <a:rPr lang="en-US" smtClean="0"/>
-              <a:t>12</a:t>
             </a:fld>
             <a:endParaRPr lang="en-US" dirty="0"/>
           </a:p>
@@ -1594,7 +1509,7 @@
     </p:spTree>
     <p:extLst>
       <p:ext uri="{BB962C8B-B14F-4D97-AF65-F5344CB8AC3E}">
-        <p14:creationId xmlns:p14="http://schemas.microsoft.com/office/powerpoint/2010/main" val="3381230743"/>
+        <p14:creationId xmlns:p14="http://schemas.microsoft.com/office/powerpoint/2010/main" val="4010776037"/>
       </p:ext>
     </p:extLst>
   </p:cSld>
@@ -1678,7 +1593,7 @@
     </p:spTree>
     <p:extLst>
       <p:ext uri="{BB962C8B-B14F-4D97-AF65-F5344CB8AC3E}">
-        <p14:creationId xmlns:p14="http://schemas.microsoft.com/office/powerpoint/2010/main" val="4010776037"/>
+        <p14:creationId xmlns:p14="http://schemas.microsoft.com/office/powerpoint/2010/main" val="3899010544"/>
       </p:ext>
     </p:extLst>
   </p:cSld>
@@ -1762,7 +1677,7 @@
     </p:spTree>
     <p:extLst>
       <p:ext uri="{BB962C8B-B14F-4D97-AF65-F5344CB8AC3E}">
-        <p14:creationId xmlns:p14="http://schemas.microsoft.com/office/powerpoint/2010/main" val="3899010544"/>
+        <p14:creationId xmlns:p14="http://schemas.microsoft.com/office/powerpoint/2010/main" val="28369859"/>
       </p:ext>
     </p:extLst>
   </p:cSld>
@@ -11897,160 +11812,6 @@
   <p:cSld>
     <p:bg>
       <p:bgPr>
-        <a:gradFill flip="none" rotWithShape="1">
-          <a:gsLst>
-            <a:gs pos="100000">
-              <a:srgbClr val="E3173E"/>
-            </a:gs>
-            <a:gs pos="36000">
-              <a:srgbClr val="F3703A"/>
-            </a:gs>
-          </a:gsLst>
-          <a:lin ang="2700000" scaled="1"/>
-          <a:tileRect/>
-        </a:gradFill>
-        <a:effectLst/>
-      </p:bgPr>
-    </p:bg>
-    <p:spTree>
-      <p:nvGrpSpPr>
-        <p:cNvPr id="1" name=""/>
-        <p:cNvGrpSpPr/>
-        <p:nvPr/>
-      </p:nvGrpSpPr>
-      <p:grpSpPr>
-        <a:xfrm>
-          <a:off x="0" y="0"/>
-          <a:ext cx="0" cy="0"/>
-          <a:chOff x="0" y="0"/>
-          <a:chExt cx="0" cy="0"/>
-        </a:xfrm>
-      </p:grpSpPr>
-      <p:sp>
-        <p:nvSpPr>
-          <p:cNvPr id="2" name="Title 1">
-            <a:extLst>
-              <a:ext uri="{FF2B5EF4-FFF2-40B4-BE49-F238E27FC236}">
-                <a16:creationId xmlns:a16="http://schemas.microsoft.com/office/drawing/2014/main" id="{D58E24D3-07BE-C483-3F42-95EEE83332F6}"/>
-              </a:ext>
-            </a:extLst>
-          </p:cNvPr>
-          <p:cNvSpPr>
-            <a:spLocks noGrp="1"/>
-          </p:cNvSpPr>
-          <p:nvPr>
-            <p:ph type="title"/>
-          </p:nvPr>
-        </p:nvSpPr>
-        <p:spPr/>
-        <p:txBody>
-          <a:bodyPr/>
-          <a:lstStyle/>
-          <a:p>
-            <a:r>
-              <a:rPr lang="en-US" dirty="0"/>
-              <a:t>Marketing and Merchandise</a:t>
-            </a:r>
-          </a:p>
-        </p:txBody>
-      </p:sp>
-      <p:sp>
-        <p:nvSpPr>
-          <p:cNvPr id="63" name="Text Placeholder 62">
-            <a:extLst>
-              <a:ext uri="{FF2B5EF4-FFF2-40B4-BE49-F238E27FC236}">
-                <a16:creationId xmlns:a16="http://schemas.microsoft.com/office/drawing/2014/main" id="{9EFE5C42-059F-482E-C029-E8FA5107EEDA}"/>
-              </a:ext>
-            </a:extLst>
-          </p:cNvPr>
-          <p:cNvSpPr>
-            <a:spLocks noGrp="1"/>
-          </p:cNvSpPr>
-          <p:nvPr>
-            <p:ph sz="quarter" idx="15"/>
-          </p:nvPr>
-        </p:nvSpPr>
-        <p:spPr>
-          <a:xfrm>
-            <a:off x="1228726" y="1696720"/>
-            <a:ext cx="4663440" cy="4318000"/>
-          </a:xfrm>
-        </p:spPr>
-        <p:txBody>
-          <a:bodyPr>
-            <a:normAutofit lnSpcReduction="10000"/>
-          </a:bodyPr>
-          <a:lstStyle/>
-          <a:p>
-            <a:pPr marL="285750" indent="-285750">
-              <a:buFont typeface="Arial" panose="020B0604020202020204" pitchFamily="34" charset="0"/>
-              <a:buChar char="•"/>
-            </a:pPr>
-            <a:r>
-              <a:rPr lang="en-US" dirty="0"/>
-              <a:t>WNBA merchandise sales both online at WNBAStore.com and the flagship location in New York City were up a combined 601% from 2023</a:t>
-            </a:r>
-          </a:p>
-          <a:p>
-            <a:pPr marL="285750" indent="-285750">
-              <a:buFont typeface="Arial" panose="020B0604020202020204" pitchFamily="34" charset="0"/>
-              <a:buChar char="•"/>
-            </a:pPr>
-            <a:r>
-              <a:rPr lang="en-US" dirty="0"/>
-              <a:t>Merchandise sales at Dick’s Sporting Goods increased by 233% compared to last season</a:t>
-            </a:r>
-          </a:p>
-          <a:p>
-            <a:pPr marL="285750" indent="-285750">
-              <a:buFont typeface="Arial" panose="020B0604020202020204" pitchFamily="34" charset="0"/>
-              <a:buChar char="•"/>
-            </a:pPr>
-            <a:r>
-              <a:rPr lang="en-US" dirty="0"/>
-              <a:t>Set a single-season record with nearly 2 billion video views across its social media platforms, more than quadruple last season’s total (378 million)</a:t>
-            </a:r>
-          </a:p>
-          <a:p>
-            <a:pPr marL="285750" indent="-285750">
-              <a:buFont typeface="Arial" panose="020B0604020202020204" pitchFamily="34" charset="0"/>
-              <a:buChar char="•"/>
-            </a:pPr>
-            <a:r>
-              <a:rPr lang="en-US" dirty="0"/>
-              <a:t>WNBA App monthly active users grew by 252% compared to last season</a:t>
-            </a:r>
-          </a:p>
-          <a:p>
-            <a:pPr marL="285750" indent="-285750">
-              <a:buFont typeface="Arial" panose="020B0604020202020204" pitchFamily="34" charset="0"/>
-              <a:buChar char="•"/>
-            </a:pPr>
-            <a:r>
-              <a:rPr lang="en-US" dirty="0"/>
-              <a:t>WNBA League Pass, the league’s out-of-market live game package, experienced a 366% growth in subscriptions versus last season</a:t>
-            </a:r>
-          </a:p>
-        </p:txBody>
-      </p:sp>
-    </p:spTree>
-    <p:extLst>
-      <p:ext uri="{BB962C8B-B14F-4D97-AF65-F5344CB8AC3E}">
-        <p14:creationId xmlns:p14="http://schemas.microsoft.com/office/powerpoint/2010/main" val="719664809"/>
-      </p:ext>
-    </p:extLst>
-  </p:cSld>
-  <p:clrMapOvr>
-    <a:masterClrMapping/>
-  </p:clrMapOvr>
-</p:sld>
-</file>
-
-<file path=ppt/slides/slide11.xml><?xml version="1.0" encoding="utf-8"?>
-<p:sld xmlns:a="http://schemas.openxmlformats.org/drawingml/2006/main" xmlns:r="http://schemas.openxmlformats.org/officeDocument/2006/relationships" xmlns:p="http://schemas.openxmlformats.org/presentationml/2006/main">
-  <p:cSld>
-    <p:bg>
-      <p:bgPr>
         <a:gradFill>
           <a:gsLst>
             <a:gs pos="80000">
@@ -12130,8 +11891,8 @@
         </p:nvSpPr>
         <p:spPr>
           <a:xfrm>
-            <a:off x="1280161" y="2164081"/>
-            <a:ext cx="4663440" cy="4163568"/>
+            <a:off x="1280158" y="1943609"/>
+            <a:ext cx="4663440" cy="4621783"/>
           </a:xfrm>
         </p:spPr>
         <p:txBody>
@@ -12148,7 +11909,7 @@
                 <a:ea typeface="Georgia" panose="02040502050405020303" pitchFamily="18" charset="0"/>
                 <a:cs typeface="Georgia" panose="02040502050405020303" pitchFamily="18" charset="0"/>
               </a:rPr>
-              <a:t>In recent years, the WNBA has experienced historic growth within the sport. So, what is contributing to its success and what can we expect in the future? </a:t>
+              <a:t>In recent years, the WNBA has experienced historic growth within the sport. So, what factors are contributing to its success, and what can we expect moving forward?</a:t>
             </a:r>
           </a:p>
           <a:p>
@@ -12162,19 +11923,28 @@
                 <a:ea typeface="Georgia" panose="02040502050405020303" pitchFamily="18" charset="0"/>
                 <a:cs typeface="Georgia" panose="02040502050405020303" pitchFamily="18" charset="0"/>
               </a:rPr>
-              <a:t>Analysis of game statistics and attendance suggests player popularity plays a large part in fan interaction. While competitive teams encourage fan investment, popular players engrosses a higher amount of involvement.</a:t>
-            </a:r>
-          </a:p>
-          <a:p>
-            <a:r>
-              <a:rPr lang="en-US" dirty="0">
+              <a:t>An analysis of game statistics and attendance reveals that player popularity plays a significant role in fan engagement. While competitive teams certainly encourage fan investment, it is the presence of popular players that drives a higher level of involvement.</a:t>
+            </a:r>
+          </a:p>
+          <a:p>
+            <a:r>
+              <a:rPr lang="en-US" sz="1800" dirty="0">
                 <a:solidFill>
                   <a:srgbClr val="010101"/>
                 </a:solidFill>
+                <a:effectLst/>
                 <a:latin typeface="Georgia" panose="02040502050405020303" pitchFamily="18" charset="0"/>
+                <a:ea typeface="Georgia" panose="02040502050405020303" pitchFamily="18" charset="0"/>
+                <a:cs typeface="Georgia" panose="02040502050405020303" pitchFamily="18" charset="0"/>
               </a:rPr>
-              <a:t>Developing and making use of popular players will greatly contribute to the WNBA’s continued success.</a:t>
-            </a:r>
+              <a:t>Fostering and leveraging the appeal of these popular players will be crucial to the WNBA’s continued success.</a:t>
+            </a:r>
+            <a:endParaRPr lang="en-US" dirty="0">
+              <a:solidFill>
+                <a:srgbClr val="010101"/>
+              </a:solidFill>
+              <a:latin typeface="Georgia" panose="02040502050405020303" pitchFamily="18" charset="0"/>
+            </a:endParaRPr>
           </a:p>
         </p:txBody>
       </p:sp>
@@ -12219,7 +11989,7 @@
 </p:sld>
 </file>
 
-<file path=ppt/slides/slide12.xml><?xml version="1.0" encoding="utf-8"?>
+<file path=ppt/slides/slide11.xml><?xml version="1.0" encoding="utf-8"?>
 <p:sld xmlns:a="http://schemas.openxmlformats.org/drawingml/2006/main" xmlns:r="http://schemas.openxmlformats.org/officeDocument/2006/relationships" xmlns:p="http://schemas.openxmlformats.org/presentationml/2006/main">
   <p:cSld>
     <p:spTree>
@@ -12480,13 +12250,13 @@
           <a:p>
             <a:r>
               <a:rPr lang="en-US" dirty="0"/>
-              <a:t>Game Stat Analysis</a:t>
+              <a:t>Game Stat Analysis Dashboard</a:t>
             </a:r>
           </a:p>
           <a:p>
             <a:r>
               <a:rPr lang="en-US" dirty="0"/>
-              <a:t>Game Attendance</a:t>
+              <a:t>Game Attendance Dashboard</a:t>
             </a:r>
           </a:p>
           <a:p>
@@ -12988,7 +12758,7 @@
             </a:pPr>
             <a:r>
               <a:rPr lang="en-US" dirty="0"/>
-              <a:t>Fluctuations in game statistics per season are due to several factors such as injury, player trades and release, etc.</a:t>
+              <a:t>Fluctuations in game statistics per season are due to several factors such as injury, player trades and releases, etc.</a:t>
             </a:r>
           </a:p>
         </p:txBody>
@@ -13109,6 +12879,51 @@
         </p:blipFill>
         <p:spPr/>
       </p:pic>
+      <p:sp>
+        <p:nvSpPr>
+          <p:cNvPr id="3" name="TextBox 2">
+            <a:extLst>
+              <a:ext uri="{FF2B5EF4-FFF2-40B4-BE49-F238E27FC236}">
+                <a16:creationId xmlns:a16="http://schemas.microsoft.com/office/drawing/2014/main" id="{C235489C-5385-49C8-86BF-813B749B6204}"/>
+              </a:ext>
+            </a:extLst>
+          </p:cNvPr>
+          <p:cNvSpPr txBox="1"/>
+          <p:nvPr/>
+        </p:nvSpPr>
+        <p:spPr>
+          <a:xfrm>
+            <a:off x="4490720" y="3020647"/>
+            <a:ext cx="3566160" cy="369332"/>
+          </a:xfrm>
+          <a:prstGeom prst="rect">
+            <a:avLst/>
+          </a:prstGeom>
+          <a:noFill/>
+        </p:spPr>
+        <p:txBody>
+          <a:bodyPr wrap="square" rtlCol="0">
+            <a:spAutoFit/>
+          </a:bodyPr>
+          <a:lstStyle/>
+          <a:p>
+            <a:r>
+              <a:rPr lang="en-US" i="1" dirty="0">
+                <a:solidFill>
+                  <a:schemeClr val="bg1"/>
+                </a:solidFill>
+                <a:hlinkClick r:id="rId4"/>
+              </a:rPr>
+              <a:t>Interact with my Dashboard!</a:t>
+            </a:r>
+            <a:endParaRPr lang="en-US" i="1" dirty="0">
+              <a:solidFill>
+                <a:schemeClr val="bg1"/>
+              </a:solidFill>
+            </a:endParaRPr>
+          </a:p>
+        </p:txBody>
+      </p:sp>
     </p:spTree>
     <p:extLst>
       <p:ext uri="{BB962C8B-B14F-4D97-AF65-F5344CB8AC3E}">
@@ -13216,8 +13031,8 @@
         </p:nvSpPr>
         <p:spPr>
           <a:xfrm>
-            <a:off x="2730664" y="5140960"/>
-            <a:ext cx="5410091" cy="726645"/>
+            <a:off x="1788160" y="5050838"/>
+            <a:ext cx="7185496" cy="726645"/>
           </a:xfrm>
           <a:prstGeom prst="rect">
             <a:avLst/>
@@ -13399,8 +13214,53 @@
                   <a:schemeClr val="bg1"/>
                 </a:solidFill>
               </a:rPr>
-              <a:t>A Game Stat Analysis (2010 - 2024)</a:t>
-            </a:r>
+              <a:t>A Game Stat Analysis (2010 - 2024) Dashboard</a:t>
+            </a:r>
+          </a:p>
+        </p:txBody>
+      </p:sp>
+      <p:sp>
+        <p:nvSpPr>
+          <p:cNvPr id="4" name="TextBox 3">
+            <a:extLst>
+              <a:ext uri="{FF2B5EF4-FFF2-40B4-BE49-F238E27FC236}">
+                <a16:creationId xmlns:a16="http://schemas.microsoft.com/office/drawing/2014/main" id="{810C977F-4885-41A5-C999-165C524081D1}"/>
+              </a:ext>
+            </a:extLst>
+          </p:cNvPr>
+          <p:cNvSpPr txBox="1"/>
+          <p:nvPr/>
+        </p:nvSpPr>
+        <p:spPr>
+          <a:xfrm>
+            <a:off x="3749040" y="5668358"/>
+            <a:ext cx="3474720" cy="369332"/>
+          </a:xfrm>
+          <a:prstGeom prst="rect">
+            <a:avLst/>
+          </a:prstGeom>
+          <a:noFill/>
+        </p:spPr>
+        <p:txBody>
+          <a:bodyPr wrap="square">
+            <a:spAutoFit/>
+          </a:bodyPr>
+          <a:lstStyle/>
+          <a:p>
+            <a:r>
+              <a:rPr lang="en-US" i="1" dirty="0">
+                <a:solidFill>
+                  <a:schemeClr val="bg1"/>
+                </a:solidFill>
+                <a:hlinkClick r:id="rId4"/>
+              </a:rPr>
+              <a:t>Interact with my Dashboard!</a:t>
+            </a:r>
+            <a:endParaRPr lang="en-US" i="1" dirty="0">
+              <a:solidFill>
+                <a:schemeClr val="bg1"/>
+              </a:solidFill>
+            </a:endParaRPr>
           </a:p>
         </p:txBody>
       </p:sp>
@@ -13418,932 +13278,6 @@
 </file>
 
 <file path=ppt/slides/slide7.xml><?xml version="1.0" encoding="utf-8"?>
-<p:sld xmlns:a="http://schemas.openxmlformats.org/drawingml/2006/main" xmlns:r="http://schemas.openxmlformats.org/officeDocument/2006/relationships" xmlns:p="http://schemas.openxmlformats.org/presentationml/2006/main">
-  <p:cSld>
-    <p:bg>
-      <p:bgPr>
-        <a:gradFill>
-          <a:gsLst>
-            <a:gs pos="80000">
-              <a:srgbClr val="E3173E"/>
-            </a:gs>
-            <a:gs pos="21000">
-              <a:srgbClr val="FFD520"/>
-            </a:gs>
-          </a:gsLst>
-          <a:lin ang="2700000" scaled="1"/>
-        </a:gradFill>
-        <a:effectLst/>
-      </p:bgPr>
-    </p:bg>
-    <p:spTree>
-      <p:nvGrpSpPr>
-        <p:cNvPr id="1" name=""/>
-        <p:cNvGrpSpPr/>
-        <p:nvPr/>
-      </p:nvGrpSpPr>
-      <p:grpSpPr>
-        <a:xfrm>
-          <a:off x="0" y="0"/>
-          <a:ext cx="0" cy="0"/>
-          <a:chOff x="0" y="0"/>
-          <a:chExt cx="0" cy="0"/>
-        </a:xfrm>
-      </p:grpSpPr>
-      <p:sp>
-        <p:nvSpPr>
-          <p:cNvPr id="8" name="Title 7">
-            <a:extLst>
-              <a:ext uri="{FF2B5EF4-FFF2-40B4-BE49-F238E27FC236}">
-                <a16:creationId xmlns:a16="http://schemas.microsoft.com/office/drawing/2014/main" id="{27B8245B-90F5-42D5-BB2F-B23140DB200C}"/>
-              </a:ext>
-            </a:extLst>
-          </p:cNvPr>
-          <p:cNvSpPr>
-            <a:spLocks noGrp="1"/>
-          </p:cNvSpPr>
-          <p:nvPr>
-            <p:ph type="title"/>
-          </p:nvPr>
-        </p:nvSpPr>
-        <p:spPr>
-          <a:xfrm>
-            <a:off x="1158238" y="863600"/>
-            <a:ext cx="10241281" cy="609600"/>
-          </a:xfrm>
-        </p:spPr>
-        <p:txBody>
-          <a:bodyPr/>
-          <a:lstStyle/>
-          <a:p>
-            <a:pPr algn="ctr"/>
-            <a:r>
-              <a:rPr lang="en-US" dirty="0"/>
-              <a:t>Top 5 Teams</a:t>
-            </a:r>
-          </a:p>
-        </p:txBody>
-      </p:sp>
-      <p:graphicFrame>
-        <p:nvGraphicFramePr>
-          <p:cNvPr id="2" name="Table 1">
-            <a:extLst>
-              <a:ext uri="{FF2B5EF4-FFF2-40B4-BE49-F238E27FC236}">
-                <a16:creationId xmlns:a16="http://schemas.microsoft.com/office/drawing/2014/main" id="{2C2A2173-3273-F4F3-12D0-14A598A77EBB}"/>
-              </a:ext>
-            </a:extLst>
-          </p:cNvPr>
-          <p:cNvGraphicFramePr>
-            <a:graphicFrameLocks noGrp="1"/>
-          </p:cNvGraphicFramePr>
-          <p:nvPr>
-            <p:extLst>
-              <p:ext uri="{D42A27DB-BD31-4B8C-83A1-F6EECF244321}">
-                <p14:modId xmlns:p14="http://schemas.microsoft.com/office/powerpoint/2010/main" val="1737673175"/>
-              </p:ext>
-            </p:extLst>
-          </p:nvPr>
-        </p:nvGraphicFramePr>
-        <p:xfrm>
-          <a:off x="2214878" y="2042160"/>
-          <a:ext cx="8127999" cy="4450080"/>
-        </p:xfrm>
-        <a:graphic>
-          <a:graphicData uri="http://schemas.openxmlformats.org/drawingml/2006/table">
-            <a:tbl>
-              <a:tblPr firstRow="1" bandRow="1">
-                <a:tableStyleId>{1E171933-4619-4E11-9A3F-F7608DF75F80}</a:tableStyleId>
-              </a:tblPr>
-              <a:tblGrid>
-                <a:gridCol w="2479041">
-                  <a:extLst>
-                    <a:ext uri="{9D8B030D-6E8A-4147-A177-3AD203B41FA5}">
-                      <a16:colId xmlns:a16="http://schemas.microsoft.com/office/drawing/2014/main" val="244695897"/>
-                    </a:ext>
-                  </a:extLst>
-                </a:gridCol>
-                <a:gridCol w="2939625">
-                  <a:extLst>
-                    <a:ext uri="{9D8B030D-6E8A-4147-A177-3AD203B41FA5}">
-                      <a16:colId xmlns:a16="http://schemas.microsoft.com/office/drawing/2014/main" val="3089925380"/>
-                    </a:ext>
-                  </a:extLst>
-                </a:gridCol>
-                <a:gridCol w="2709333">
-                  <a:extLst>
-                    <a:ext uri="{9D8B030D-6E8A-4147-A177-3AD203B41FA5}">
-                      <a16:colId xmlns:a16="http://schemas.microsoft.com/office/drawing/2014/main" val="2772734226"/>
-                    </a:ext>
-                  </a:extLst>
-                </a:gridCol>
-              </a:tblGrid>
-              <a:tr h="370840">
-                <a:tc>
-                  <a:txBody>
-                    <a:bodyPr/>
-                    <a:lstStyle/>
-                    <a:p>
-                      <a:pPr algn="ctr"/>
-                      <a:r>
-                        <a:rPr lang="en-US" dirty="0"/>
-                        <a:t>Team</a:t>
-                      </a:r>
-                    </a:p>
-                  </a:txBody>
-                  <a:tcPr/>
-                </a:tc>
-                <a:tc>
-                  <a:txBody>
-                    <a:bodyPr/>
-                    <a:lstStyle/>
-                    <a:p>
-                      <a:pPr algn="ctr"/>
-                      <a:r>
-                        <a:rPr lang="en-US" dirty="0"/>
-                        <a:t># of Top 5 Appearances</a:t>
-                      </a:r>
-                    </a:p>
-                  </a:txBody>
-                  <a:tcPr/>
-                </a:tc>
-                <a:tc>
-                  <a:txBody>
-                    <a:bodyPr/>
-                    <a:lstStyle/>
-                    <a:p>
-                      <a:pPr algn="ctr"/>
-                      <a:r>
-                        <a:rPr lang="en-US" dirty="0"/>
-                        <a:t>Playoff Appearances</a:t>
-                      </a:r>
-                    </a:p>
-                  </a:txBody>
-                  <a:tcPr/>
-                </a:tc>
-                <a:extLst>
-                  <a:ext uri="{0D108BD9-81ED-4DB2-BD59-A6C34878D82A}">
-                    <a16:rowId xmlns:a16="http://schemas.microsoft.com/office/drawing/2014/main" val="3283934351"/>
-                  </a:ext>
-                </a:extLst>
-              </a:tr>
-              <a:tr h="370840">
-                <a:tc>
-                  <a:txBody>
-                    <a:bodyPr/>
-                    <a:lstStyle/>
-                    <a:p>
-                      <a:pPr algn="ctr"/>
-                      <a:r>
-                        <a:rPr lang="en-US" sz="1800" b="0" kern="1200" dirty="0">
-                          <a:solidFill>
-                            <a:schemeClr val="dk1"/>
-                          </a:solidFill>
-                          <a:effectLst/>
-                        </a:rPr>
-                        <a:t>Minnesota Lynx</a:t>
-                      </a:r>
-                      <a:endParaRPr lang="en-US" dirty="0"/>
-                    </a:p>
-                  </a:txBody>
-                  <a:tcPr/>
-                </a:tc>
-                <a:tc>
-                  <a:txBody>
-                    <a:bodyPr/>
-                    <a:lstStyle/>
-                    <a:p>
-                      <a:pPr algn="ctr"/>
-                      <a:r>
-                        <a:rPr lang="en-US" dirty="0"/>
-                        <a:t>6 of 7 metrics</a:t>
-                      </a:r>
-                    </a:p>
-                  </a:txBody>
-                  <a:tcPr/>
-                </a:tc>
-                <a:tc>
-                  <a:txBody>
-                    <a:bodyPr/>
-                    <a:lstStyle/>
-                    <a:p>
-                      <a:pPr algn="ctr"/>
-                      <a:r>
-                        <a:rPr lang="en-US" dirty="0"/>
-                        <a:t>13 of 15</a:t>
-                      </a:r>
-                    </a:p>
-                  </a:txBody>
-                  <a:tcPr/>
-                </a:tc>
-                <a:extLst>
-                  <a:ext uri="{0D108BD9-81ED-4DB2-BD59-A6C34878D82A}">
-                    <a16:rowId xmlns:a16="http://schemas.microsoft.com/office/drawing/2014/main" val="686361896"/>
-                  </a:ext>
-                </a:extLst>
-              </a:tr>
-              <a:tr h="370840">
-                <a:tc>
-                  <a:txBody>
-                    <a:bodyPr/>
-                    <a:lstStyle/>
-                    <a:p>
-                      <a:pPr algn="ctr"/>
-                      <a:r>
-                        <a:rPr lang="en-US" dirty="0"/>
-                        <a:t>Connecticut Sun</a:t>
-                      </a:r>
-                    </a:p>
-                  </a:txBody>
-                  <a:tcPr/>
-                </a:tc>
-                <a:tc>
-                  <a:txBody>
-                    <a:bodyPr/>
-                    <a:lstStyle/>
-                    <a:p>
-                      <a:pPr marL="0" marR="0" lvl="0" indent="0" algn="ctr" defTabSz="914400" rtl="0" eaLnBrk="1" fontAlgn="auto" latinLnBrk="0" hangingPunct="1">
-                        <a:lnSpc>
-                          <a:spcPct val="100000"/>
-                        </a:lnSpc>
-                        <a:spcBef>
-                          <a:spcPts val="0"/>
-                        </a:spcBef>
-                        <a:spcAft>
-                          <a:spcPts val="0"/>
-                        </a:spcAft>
-                        <a:buClrTx/>
-                        <a:buSzTx/>
-                        <a:buFontTx/>
-                        <a:buNone/>
-                        <a:tabLst/>
-                        <a:defRPr/>
-                      </a:pPr>
-                      <a:r>
-                        <a:rPr lang="en-US" dirty="0"/>
-                        <a:t>5 of 7 metrics</a:t>
-                      </a:r>
-                    </a:p>
-                  </a:txBody>
-                  <a:tcPr/>
-                </a:tc>
-                <a:tc>
-                  <a:txBody>
-                    <a:bodyPr/>
-                    <a:lstStyle/>
-                    <a:p>
-                      <a:pPr algn="ctr"/>
-                      <a:r>
-                        <a:rPr lang="en-US" dirty="0"/>
-                        <a:t>10 of 15</a:t>
-                      </a:r>
-                    </a:p>
-                  </a:txBody>
-                  <a:tcPr/>
-                </a:tc>
-                <a:extLst>
-                  <a:ext uri="{0D108BD9-81ED-4DB2-BD59-A6C34878D82A}">
-                    <a16:rowId xmlns:a16="http://schemas.microsoft.com/office/drawing/2014/main" val="554903404"/>
-                  </a:ext>
-                </a:extLst>
-              </a:tr>
-              <a:tr h="370840">
-                <a:tc>
-                  <a:txBody>
-                    <a:bodyPr/>
-                    <a:lstStyle/>
-                    <a:p>
-                      <a:pPr algn="ctr"/>
-                      <a:r>
-                        <a:rPr lang="en-US" dirty="0"/>
-                        <a:t>Seattle Storm</a:t>
-                      </a:r>
-                    </a:p>
-                  </a:txBody>
-                  <a:tcPr/>
-                </a:tc>
-                <a:tc>
-                  <a:txBody>
-                    <a:bodyPr/>
-                    <a:lstStyle/>
-                    <a:p>
-                      <a:pPr marL="0" marR="0" lvl="0" indent="0" algn="ctr" defTabSz="914400" rtl="0" eaLnBrk="1" fontAlgn="auto" latinLnBrk="0" hangingPunct="1">
-                        <a:lnSpc>
-                          <a:spcPct val="100000"/>
-                        </a:lnSpc>
-                        <a:spcBef>
-                          <a:spcPts val="0"/>
-                        </a:spcBef>
-                        <a:spcAft>
-                          <a:spcPts val="0"/>
-                        </a:spcAft>
-                        <a:buClrTx/>
-                        <a:buSzTx/>
-                        <a:buFontTx/>
-                        <a:buNone/>
-                        <a:tabLst/>
-                        <a:defRPr/>
-                      </a:pPr>
-                      <a:r>
-                        <a:rPr lang="en-US" dirty="0"/>
-                        <a:t>5 of 7 metrics</a:t>
-                      </a:r>
-                    </a:p>
-                  </a:txBody>
-                  <a:tcPr/>
-                </a:tc>
-                <a:tc>
-                  <a:txBody>
-                    <a:bodyPr/>
-                    <a:lstStyle/>
-                    <a:p>
-                      <a:pPr algn="ctr"/>
-                      <a:r>
-                        <a:rPr lang="en-US" dirty="0"/>
-                        <a:t>12 of 15</a:t>
-                      </a:r>
-                    </a:p>
-                  </a:txBody>
-                  <a:tcPr/>
-                </a:tc>
-                <a:extLst>
-                  <a:ext uri="{0D108BD9-81ED-4DB2-BD59-A6C34878D82A}">
-                    <a16:rowId xmlns:a16="http://schemas.microsoft.com/office/drawing/2014/main" val="508321334"/>
-                  </a:ext>
-                </a:extLst>
-              </a:tr>
-              <a:tr h="370840">
-                <a:tc>
-                  <a:txBody>
-                    <a:bodyPr/>
-                    <a:lstStyle/>
-                    <a:p>
-                      <a:pPr algn="ctr"/>
-                      <a:r>
-                        <a:rPr lang="en-US" dirty="0"/>
-                        <a:t>Los Angeles Sparks</a:t>
-                      </a:r>
-                    </a:p>
-                  </a:txBody>
-                  <a:tcPr/>
-                </a:tc>
-                <a:tc>
-                  <a:txBody>
-                    <a:bodyPr/>
-                    <a:lstStyle/>
-                    <a:p>
-                      <a:pPr marL="0" marR="0" lvl="0" indent="0" algn="ctr" defTabSz="914400" rtl="0" eaLnBrk="1" fontAlgn="auto" latinLnBrk="0" hangingPunct="1">
-                        <a:lnSpc>
-                          <a:spcPct val="100000"/>
-                        </a:lnSpc>
-                        <a:spcBef>
-                          <a:spcPts val="0"/>
-                        </a:spcBef>
-                        <a:spcAft>
-                          <a:spcPts val="0"/>
-                        </a:spcAft>
-                        <a:buClrTx/>
-                        <a:buSzTx/>
-                        <a:buFontTx/>
-                        <a:buNone/>
-                        <a:tabLst/>
-                        <a:defRPr/>
-                      </a:pPr>
-                      <a:r>
-                        <a:rPr lang="en-US" dirty="0"/>
-                        <a:t>4 of 7 metrics</a:t>
-                      </a:r>
-                    </a:p>
-                  </a:txBody>
-                  <a:tcPr/>
-                </a:tc>
-                <a:tc>
-                  <a:txBody>
-                    <a:bodyPr/>
-                    <a:lstStyle/>
-                    <a:p>
-                      <a:pPr algn="ctr"/>
-                      <a:r>
-                        <a:rPr lang="en-US" dirty="0"/>
-                        <a:t>10 of 15</a:t>
-                      </a:r>
-                    </a:p>
-                  </a:txBody>
-                  <a:tcPr/>
-                </a:tc>
-                <a:extLst>
-                  <a:ext uri="{0D108BD9-81ED-4DB2-BD59-A6C34878D82A}">
-                    <a16:rowId xmlns:a16="http://schemas.microsoft.com/office/drawing/2014/main" val="3975423941"/>
-                  </a:ext>
-                </a:extLst>
-              </a:tr>
-              <a:tr h="370840">
-                <a:tc>
-                  <a:txBody>
-                    <a:bodyPr/>
-                    <a:lstStyle/>
-                    <a:p>
-                      <a:pPr algn="ctr"/>
-                      <a:r>
-                        <a:rPr lang="en-US" dirty="0"/>
-                        <a:t>Atlanta Dream</a:t>
-                      </a:r>
-                    </a:p>
-                  </a:txBody>
-                  <a:tcPr/>
-                </a:tc>
-                <a:tc>
-                  <a:txBody>
-                    <a:bodyPr/>
-                    <a:lstStyle/>
-                    <a:p>
-                      <a:pPr marL="0" marR="0" lvl="0" indent="0" algn="ctr" defTabSz="914400" rtl="0" eaLnBrk="1" fontAlgn="auto" latinLnBrk="0" hangingPunct="1">
-                        <a:lnSpc>
-                          <a:spcPct val="100000"/>
-                        </a:lnSpc>
-                        <a:spcBef>
-                          <a:spcPts val="0"/>
-                        </a:spcBef>
-                        <a:spcAft>
-                          <a:spcPts val="0"/>
-                        </a:spcAft>
-                        <a:buClrTx/>
-                        <a:buSzTx/>
-                        <a:buFontTx/>
-                        <a:buNone/>
-                        <a:tabLst/>
-                        <a:defRPr/>
-                      </a:pPr>
-                      <a:r>
-                        <a:rPr lang="en-US" dirty="0"/>
-                        <a:t>3 of 7 metrics</a:t>
-                      </a:r>
-                    </a:p>
-                  </a:txBody>
-                  <a:tcPr/>
-                </a:tc>
-                <a:tc>
-                  <a:txBody>
-                    <a:bodyPr/>
-                    <a:lstStyle/>
-                    <a:p>
-                      <a:pPr algn="ctr"/>
-                      <a:r>
-                        <a:rPr lang="en-US" dirty="0"/>
-                        <a:t>9 of 15</a:t>
-                      </a:r>
-                    </a:p>
-                  </a:txBody>
-                  <a:tcPr/>
-                </a:tc>
-                <a:extLst>
-                  <a:ext uri="{0D108BD9-81ED-4DB2-BD59-A6C34878D82A}">
-                    <a16:rowId xmlns:a16="http://schemas.microsoft.com/office/drawing/2014/main" val="1972544297"/>
-                  </a:ext>
-                </a:extLst>
-              </a:tr>
-              <a:tr h="370840">
-                <a:tc>
-                  <a:txBody>
-                    <a:bodyPr/>
-                    <a:lstStyle/>
-                    <a:p>
-                      <a:pPr algn="ctr"/>
-                      <a:r>
-                        <a:rPr lang="en-US" dirty="0"/>
-                        <a:t>Phoenix Mercury</a:t>
-                      </a:r>
-                    </a:p>
-                  </a:txBody>
-                  <a:tcPr/>
-                </a:tc>
-                <a:tc>
-                  <a:txBody>
-                    <a:bodyPr/>
-                    <a:lstStyle/>
-                    <a:p>
-                      <a:pPr marL="0" marR="0" lvl="0" indent="0" algn="ctr" defTabSz="914400" rtl="0" eaLnBrk="1" fontAlgn="auto" latinLnBrk="0" hangingPunct="1">
-                        <a:lnSpc>
-                          <a:spcPct val="100000"/>
-                        </a:lnSpc>
-                        <a:spcBef>
-                          <a:spcPts val="0"/>
-                        </a:spcBef>
-                        <a:spcAft>
-                          <a:spcPts val="0"/>
-                        </a:spcAft>
-                        <a:buClrTx/>
-                        <a:buSzTx/>
-                        <a:buFontTx/>
-                        <a:buNone/>
-                        <a:tabLst/>
-                        <a:defRPr/>
-                      </a:pPr>
-                      <a:r>
-                        <a:rPr lang="en-US" dirty="0"/>
-                        <a:t>3 of 7 metrics</a:t>
-                      </a:r>
-                    </a:p>
-                  </a:txBody>
-                  <a:tcPr/>
-                </a:tc>
-                <a:tc>
-                  <a:txBody>
-                    <a:bodyPr/>
-                    <a:lstStyle/>
-                    <a:p>
-                      <a:pPr algn="ctr"/>
-                      <a:r>
-                        <a:rPr lang="en-US" dirty="0"/>
-                        <a:t>13 of 15</a:t>
-                      </a:r>
-                    </a:p>
-                  </a:txBody>
-                  <a:tcPr/>
-                </a:tc>
-                <a:extLst>
-                  <a:ext uri="{0D108BD9-81ED-4DB2-BD59-A6C34878D82A}">
-                    <a16:rowId xmlns:a16="http://schemas.microsoft.com/office/drawing/2014/main" val="1571090367"/>
-                  </a:ext>
-                </a:extLst>
-              </a:tr>
-              <a:tr h="370840">
-                <a:tc>
-                  <a:txBody>
-                    <a:bodyPr/>
-                    <a:lstStyle/>
-                    <a:p>
-                      <a:pPr algn="ctr"/>
-                      <a:r>
-                        <a:rPr lang="en-US" dirty="0"/>
-                        <a:t>Indiana Fever</a:t>
-                      </a:r>
-                    </a:p>
-                  </a:txBody>
-                  <a:tcPr/>
-                </a:tc>
-                <a:tc>
-                  <a:txBody>
-                    <a:bodyPr/>
-                    <a:lstStyle/>
-                    <a:p>
-                      <a:pPr marL="0" marR="0" lvl="0" indent="0" algn="ctr" defTabSz="914400" rtl="0" eaLnBrk="1" fontAlgn="auto" latinLnBrk="0" hangingPunct="1">
-                        <a:lnSpc>
-                          <a:spcPct val="100000"/>
-                        </a:lnSpc>
-                        <a:spcBef>
-                          <a:spcPts val="0"/>
-                        </a:spcBef>
-                        <a:spcAft>
-                          <a:spcPts val="0"/>
-                        </a:spcAft>
-                        <a:buClrTx/>
-                        <a:buSzTx/>
-                        <a:buFontTx/>
-                        <a:buNone/>
-                        <a:tabLst/>
-                        <a:defRPr/>
-                      </a:pPr>
-                      <a:r>
-                        <a:rPr lang="en-US" dirty="0"/>
-                        <a:t>2 of 7 metrics</a:t>
-                      </a:r>
-                    </a:p>
-                  </a:txBody>
-                  <a:tcPr/>
-                </a:tc>
-                <a:tc>
-                  <a:txBody>
-                    <a:bodyPr/>
-                    <a:lstStyle/>
-                    <a:p>
-                      <a:pPr algn="ctr"/>
-                      <a:r>
-                        <a:rPr lang="en-US" dirty="0"/>
-                        <a:t>8 of 15</a:t>
-                      </a:r>
-                    </a:p>
-                  </a:txBody>
-                  <a:tcPr/>
-                </a:tc>
-                <a:extLst>
-                  <a:ext uri="{0D108BD9-81ED-4DB2-BD59-A6C34878D82A}">
-                    <a16:rowId xmlns:a16="http://schemas.microsoft.com/office/drawing/2014/main" val="3262568223"/>
-                  </a:ext>
-                </a:extLst>
-              </a:tr>
-              <a:tr h="370840">
-                <a:tc>
-                  <a:txBody>
-                    <a:bodyPr/>
-                    <a:lstStyle/>
-                    <a:p>
-                      <a:pPr algn="ctr"/>
-                      <a:r>
-                        <a:rPr lang="en-US" dirty="0"/>
-                        <a:t>Chicago Sky</a:t>
-                      </a:r>
-                    </a:p>
-                  </a:txBody>
-                  <a:tcPr/>
-                </a:tc>
-                <a:tc>
-                  <a:txBody>
-                    <a:bodyPr/>
-                    <a:lstStyle/>
-                    <a:p>
-                      <a:pPr marL="0" marR="0" lvl="0" indent="0" algn="ctr" defTabSz="914400" rtl="0" eaLnBrk="1" fontAlgn="auto" latinLnBrk="0" hangingPunct="1">
-                        <a:lnSpc>
-                          <a:spcPct val="100000"/>
-                        </a:lnSpc>
-                        <a:spcBef>
-                          <a:spcPts val="0"/>
-                        </a:spcBef>
-                        <a:spcAft>
-                          <a:spcPts val="0"/>
-                        </a:spcAft>
-                        <a:buClrTx/>
-                        <a:buSzTx/>
-                        <a:buFontTx/>
-                        <a:buNone/>
-                        <a:tabLst/>
-                        <a:defRPr/>
-                      </a:pPr>
-                      <a:r>
-                        <a:rPr lang="en-US" dirty="0"/>
-                        <a:t>2 of 7 metrics</a:t>
-                      </a:r>
-                    </a:p>
-                  </a:txBody>
-                  <a:tcPr/>
-                </a:tc>
-                <a:tc>
-                  <a:txBody>
-                    <a:bodyPr/>
-                    <a:lstStyle/>
-                    <a:p>
-                      <a:pPr algn="ctr"/>
-                      <a:r>
-                        <a:rPr lang="en-US" dirty="0"/>
-                        <a:t>9 of 15</a:t>
-                      </a:r>
-                    </a:p>
-                  </a:txBody>
-                  <a:tcPr/>
-                </a:tc>
-                <a:extLst>
-                  <a:ext uri="{0D108BD9-81ED-4DB2-BD59-A6C34878D82A}">
-                    <a16:rowId xmlns:a16="http://schemas.microsoft.com/office/drawing/2014/main" val="1546622257"/>
-                  </a:ext>
-                </a:extLst>
-              </a:tr>
-              <a:tr h="370840">
-                <a:tc>
-                  <a:txBody>
-                    <a:bodyPr/>
-                    <a:lstStyle/>
-                    <a:p>
-                      <a:pPr algn="ctr"/>
-                      <a:r>
-                        <a:rPr lang="en-US" dirty="0"/>
-                        <a:t>New York Liberty</a:t>
-                      </a:r>
-                    </a:p>
-                  </a:txBody>
-                  <a:tcPr/>
-                </a:tc>
-                <a:tc>
-                  <a:txBody>
-                    <a:bodyPr/>
-                    <a:lstStyle/>
-                    <a:p>
-                      <a:pPr marL="0" marR="0" lvl="0" indent="0" algn="ctr" defTabSz="914400" rtl="0" eaLnBrk="1" fontAlgn="auto" latinLnBrk="0" hangingPunct="1">
-                        <a:lnSpc>
-                          <a:spcPct val="100000"/>
-                        </a:lnSpc>
-                        <a:spcBef>
-                          <a:spcPts val="0"/>
-                        </a:spcBef>
-                        <a:spcAft>
-                          <a:spcPts val="0"/>
-                        </a:spcAft>
-                        <a:buClrTx/>
-                        <a:buSzTx/>
-                        <a:buFontTx/>
-                        <a:buNone/>
-                        <a:tabLst/>
-                        <a:defRPr/>
-                      </a:pPr>
-                      <a:r>
-                        <a:rPr lang="en-US" dirty="0"/>
-                        <a:t>2 of 7 metrics</a:t>
-                      </a:r>
-                    </a:p>
-                  </a:txBody>
-                  <a:tcPr/>
-                </a:tc>
-                <a:tc>
-                  <a:txBody>
-                    <a:bodyPr/>
-                    <a:lstStyle/>
-                    <a:p>
-                      <a:pPr algn="ctr"/>
-                      <a:r>
-                        <a:rPr lang="en-US" dirty="0"/>
-                        <a:t>10 of 15</a:t>
-                      </a:r>
-                    </a:p>
-                  </a:txBody>
-                  <a:tcPr/>
-                </a:tc>
-                <a:extLst>
-                  <a:ext uri="{0D108BD9-81ED-4DB2-BD59-A6C34878D82A}">
-                    <a16:rowId xmlns:a16="http://schemas.microsoft.com/office/drawing/2014/main" val="1044624471"/>
-                  </a:ext>
-                </a:extLst>
-              </a:tr>
-              <a:tr h="370840">
-                <a:tc>
-                  <a:txBody>
-                    <a:bodyPr/>
-                    <a:lstStyle/>
-                    <a:p>
-                      <a:pPr algn="ctr"/>
-                      <a:r>
-                        <a:rPr lang="en-US" dirty="0"/>
-                        <a:t>Las Vegas Aces</a:t>
-                      </a:r>
-                    </a:p>
-                  </a:txBody>
-                  <a:tcPr/>
-                </a:tc>
-                <a:tc>
-                  <a:txBody>
-                    <a:bodyPr/>
-                    <a:lstStyle/>
-                    <a:p>
-                      <a:pPr marL="0" marR="0" lvl="0" indent="0" algn="ctr" defTabSz="914400" rtl="0" eaLnBrk="1" fontAlgn="auto" latinLnBrk="0" hangingPunct="1">
-                        <a:lnSpc>
-                          <a:spcPct val="100000"/>
-                        </a:lnSpc>
-                        <a:spcBef>
-                          <a:spcPts val="0"/>
-                        </a:spcBef>
-                        <a:spcAft>
-                          <a:spcPts val="0"/>
-                        </a:spcAft>
-                        <a:buClrTx/>
-                        <a:buSzTx/>
-                        <a:buFontTx/>
-                        <a:buNone/>
-                        <a:tabLst/>
-                        <a:defRPr/>
-                      </a:pPr>
-                      <a:r>
-                        <a:rPr lang="en-US" dirty="0"/>
-                        <a:t>2 of 7 metrics</a:t>
-                      </a:r>
-                    </a:p>
-                  </a:txBody>
-                  <a:tcPr/>
-                </a:tc>
-                <a:tc>
-                  <a:txBody>
-                    <a:bodyPr/>
-                    <a:lstStyle/>
-                    <a:p>
-                      <a:pPr algn="ctr"/>
-                      <a:r>
-                        <a:rPr lang="en-US" dirty="0"/>
-                        <a:t>10 of 15</a:t>
-                      </a:r>
-                    </a:p>
-                  </a:txBody>
-                  <a:tcPr/>
-                </a:tc>
-                <a:extLst>
-                  <a:ext uri="{0D108BD9-81ED-4DB2-BD59-A6C34878D82A}">
-                    <a16:rowId xmlns:a16="http://schemas.microsoft.com/office/drawing/2014/main" val="2245141834"/>
-                  </a:ext>
-                </a:extLst>
-              </a:tr>
-              <a:tr h="370840">
-                <a:tc>
-                  <a:txBody>
-                    <a:bodyPr/>
-                    <a:lstStyle/>
-                    <a:p>
-                      <a:pPr algn="ctr"/>
-                      <a:r>
-                        <a:rPr lang="en-US" dirty="0"/>
-                        <a:t>Washington Mystics</a:t>
-                      </a:r>
-                    </a:p>
-                  </a:txBody>
-                  <a:tcPr/>
-                </a:tc>
-                <a:tc>
-                  <a:txBody>
-                    <a:bodyPr/>
-                    <a:lstStyle/>
-                    <a:p>
-                      <a:pPr marL="0" marR="0" lvl="0" indent="0" algn="ctr" defTabSz="914400" rtl="0" eaLnBrk="1" fontAlgn="auto" latinLnBrk="0" hangingPunct="1">
-                        <a:lnSpc>
-                          <a:spcPct val="100000"/>
-                        </a:lnSpc>
-                        <a:spcBef>
-                          <a:spcPts val="0"/>
-                        </a:spcBef>
-                        <a:spcAft>
-                          <a:spcPts val="0"/>
-                        </a:spcAft>
-                        <a:buClrTx/>
-                        <a:buSzTx/>
-                        <a:buFontTx/>
-                        <a:buNone/>
-                        <a:tabLst/>
-                        <a:defRPr/>
-                      </a:pPr>
-                      <a:r>
-                        <a:rPr lang="en-US" dirty="0"/>
-                        <a:t>1 of 7 metrics</a:t>
-                      </a:r>
-                    </a:p>
-                  </a:txBody>
-                  <a:tcPr/>
-                </a:tc>
-                <a:tc>
-                  <a:txBody>
-                    <a:bodyPr/>
-                    <a:lstStyle/>
-                    <a:p>
-                      <a:pPr algn="ctr"/>
-                      <a:r>
-                        <a:rPr lang="en-US" dirty="0"/>
-                        <a:t>10 of 15</a:t>
-                      </a:r>
-                    </a:p>
-                  </a:txBody>
-                  <a:tcPr/>
-                </a:tc>
-                <a:extLst>
-                  <a:ext uri="{0D108BD9-81ED-4DB2-BD59-A6C34878D82A}">
-                    <a16:rowId xmlns:a16="http://schemas.microsoft.com/office/drawing/2014/main" val="1965947848"/>
-                  </a:ext>
-                </a:extLst>
-              </a:tr>
-            </a:tbl>
-          </a:graphicData>
-        </a:graphic>
-      </p:graphicFrame>
-      <p:sp>
-        <p:nvSpPr>
-          <p:cNvPr id="3" name="TextBox 2">
-            <a:extLst>
-              <a:ext uri="{FF2B5EF4-FFF2-40B4-BE49-F238E27FC236}">
-                <a16:creationId xmlns:a16="http://schemas.microsoft.com/office/drawing/2014/main" id="{E916101E-4CF5-B218-AFA8-8CFD9B2B9CFD}"/>
-              </a:ext>
-            </a:extLst>
-          </p:cNvPr>
-          <p:cNvSpPr txBox="1"/>
-          <p:nvPr/>
-        </p:nvSpPr>
-        <p:spPr>
-          <a:xfrm>
-            <a:off x="3810001" y="1473200"/>
-            <a:ext cx="6177280" cy="369332"/>
-          </a:xfrm>
-          <a:prstGeom prst="rect">
-            <a:avLst/>
-          </a:prstGeom>
-          <a:noFill/>
-        </p:spPr>
-        <p:txBody>
-          <a:bodyPr wrap="square" rtlCol="0">
-            <a:spAutoFit/>
-          </a:bodyPr>
-          <a:lstStyle/>
-          <a:p>
-            <a:r>
-              <a:rPr lang="en-US" dirty="0"/>
-              <a:t>Are the metrics correlated with playoff success?</a:t>
-            </a:r>
-          </a:p>
-        </p:txBody>
-      </p:sp>
-    </p:spTree>
-    <p:extLst>
-      <p:ext uri="{BB962C8B-B14F-4D97-AF65-F5344CB8AC3E}">
-        <p14:creationId xmlns:p14="http://schemas.microsoft.com/office/powerpoint/2010/main" val="2520582305"/>
-      </p:ext>
-    </p:extLst>
-  </p:cSld>
-  <p:clrMapOvr>
-    <a:masterClrMapping/>
-  </p:clrMapOvr>
-</p:sld>
-</file>
-
-<file path=ppt/slides/slide8.xml><?xml version="1.0" encoding="utf-8"?>
 <p:sld xmlns:a="http://schemas.openxmlformats.org/drawingml/2006/main" xmlns:r="http://schemas.openxmlformats.org/officeDocument/2006/relationships" xmlns:p="http://schemas.openxmlformats.org/presentationml/2006/main">
   <p:cSld>
     <p:spTree>
@@ -14381,6 +13315,7 @@
           <a:bodyPr/>
           <a:lstStyle/>
           <a:p>
+            <a:pPr algn="ctr"/>
             <a:r>
               <a:rPr lang="en-US" dirty="0"/>
               <a:t>Game Attendance dashboard</a:t>
@@ -14411,6 +13346,51 @@
         </p:blipFill>
         <p:spPr/>
       </p:pic>
+      <p:sp>
+        <p:nvSpPr>
+          <p:cNvPr id="4" name="TextBox 3">
+            <a:extLst>
+              <a:ext uri="{FF2B5EF4-FFF2-40B4-BE49-F238E27FC236}">
+                <a16:creationId xmlns:a16="http://schemas.microsoft.com/office/drawing/2014/main" id="{12553E48-22C3-0485-AAE4-38F5B3D54087}"/>
+              </a:ext>
+            </a:extLst>
+          </p:cNvPr>
+          <p:cNvSpPr txBox="1"/>
+          <p:nvPr/>
+        </p:nvSpPr>
+        <p:spPr>
+          <a:xfrm>
+            <a:off x="4653278" y="2664053"/>
+            <a:ext cx="3556001" cy="369332"/>
+          </a:xfrm>
+          <a:prstGeom prst="rect">
+            <a:avLst/>
+          </a:prstGeom>
+          <a:noFill/>
+        </p:spPr>
+        <p:txBody>
+          <a:bodyPr wrap="square">
+            <a:spAutoFit/>
+          </a:bodyPr>
+          <a:lstStyle/>
+          <a:p>
+            <a:r>
+              <a:rPr lang="en-US" i="1" dirty="0">
+                <a:solidFill>
+                  <a:schemeClr val="bg1"/>
+                </a:solidFill>
+                <a:hlinkClick r:id="rId4"/>
+              </a:rPr>
+              <a:t>Interact with my Dashboard!</a:t>
+            </a:r>
+            <a:endParaRPr lang="en-US" i="1" dirty="0">
+              <a:solidFill>
+                <a:schemeClr val="bg1"/>
+              </a:solidFill>
+            </a:endParaRPr>
+          </a:p>
+        </p:txBody>
+      </p:sp>
     </p:spTree>
     <p:extLst>
       <p:ext uri="{BB962C8B-B14F-4D97-AF65-F5344CB8AC3E}">
@@ -14424,7 +13404,7 @@
 </p:sld>
 </file>
 
-<file path=ppt/slides/slide9.xml><?xml version="1.0" encoding="utf-8"?>
+<file path=ppt/slides/slide8.xml><?xml version="1.0" encoding="utf-8"?>
 <p:sld xmlns:a="http://schemas.openxmlformats.org/drawingml/2006/main" xmlns:r="http://schemas.openxmlformats.org/officeDocument/2006/relationships" xmlns:p="http://schemas.openxmlformats.org/presentationml/2006/main">
   <p:cSld>
     <p:bg>
@@ -14821,6 +13801,160 @@
     <p:extLst>
       <p:ext uri="{BB962C8B-B14F-4D97-AF65-F5344CB8AC3E}">
         <p14:creationId xmlns:p14="http://schemas.microsoft.com/office/powerpoint/2010/main" val="1450287420"/>
+      </p:ext>
+    </p:extLst>
+  </p:cSld>
+  <p:clrMapOvr>
+    <a:masterClrMapping/>
+  </p:clrMapOvr>
+</p:sld>
+</file>
+
+<file path=ppt/slides/slide9.xml><?xml version="1.0" encoding="utf-8"?>
+<p:sld xmlns:a="http://schemas.openxmlformats.org/drawingml/2006/main" xmlns:r="http://schemas.openxmlformats.org/officeDocument/2006/relationships" xmlns:p="http://schemas.openxmlformats.org/presentationml/2006/main">
+  <p:cSld>
+    <p:bg>
+      <p:bgPr>
+        <a:gradFill flip="none" rotWithShape="1">
+          <a:gsLst>
+            <a:gs pos="100000">
+              <a:srgbClr val="E3173E"/>
+            </a:gs>
+            <a:gs pos="36000">
+              <a:srgbClr val="F3703A"/>
+            </a:gs>
+          </a:gsLst>
+          <a:lin ang="2700000" scaled="1"/>
+          <a:tileRect/>
+        </a:gradFill>
+        <a:effectLst/>
+      </p:bgPr>
+    </p:bg>
+    <p:spTree>
+      <p:nvGrpSpPr>
+        <p:cNvPr id="1" name=""/>
+        <p:cNvGrpSpPr/>
+        <p:nvPr/>
+      </p:nvGrpSpPr>
+      <p:grpSpPr>
+        <a:xfrm>
+          <a:off x="0" y="0"/>
+          <a:ext cx="0" cy="0"/>
+          <a:chOff x="0" y="0"/>
+          <a:chExt cx="0" cy="0"/>
+        </a:xfrm>
+      </p:grpSpPr>
+      <p:sp>
+        <p:nvSpPr>
+          <p:cNvPr id="2" name="Title 1">
+            <a:extLst>
+              <a:ext uri="{FF2B5EF4-FFF2-40B4-BE49-F238E27FC236}">
+                <a16:creationId xmlns:a16="http://schemas.microsoft.com/office/drawing/2014/main" id="{D58E24D3-07BE-C483-3F42-95EEE83332F6}"/>
+              </a:ext>
+            </a:extLst>
+          </p:cNvPr>
+          <p:cNvSpPr>
+            <a:spLocks noGrp="1"/>
+          </p:cNvSpPr>
+          <p:nvPr>
+            <p:ph type="title"/>
+          </p:nvPr>
+        </p:nvSpPr>
+        <p:spPr/>
+        <p:txBody>
+          <a:bodyPr/>
+          <a:lstStyle/>
+          <a:p>
+            <a:r>
+              <a:rPr lang="en-US" dirty="0"/>
+              <a:t>Marketing and Merchandise</a:t>
+            </a:r>
+          </a:p>
+        </p:txBody>
+      </p:sp>
+      <p:sp>
+        <p:nvSpPr>
+          <p:cNvPr id="63" name="Text Placeholder 62">
+            <a:extLst>
+              <a:ext uri="{FF2B5EF4-FFF2-40B4-BE49-F238E27FC236}">
+                <a16:creationId xmlns:a16="http://schemas.microsoft.com/office/drawing/2014/main" id="{9EFE5C42-059F-482E-C029-E8FA5107EEDA}"/>
+              </a:ext>
+            </a:extLst>
+          </p:cNvPr>
+          <p:cNvSpPr>
+            <a:spLocks noGrp="1"/>
+          </p:cNvSpPr>
+          <p:nvPr>
+            <p:ph sz="quarter" idx="15"/>
+          </p:nvPr>
+        </p:nvSpPr>
+        <p:spPr>
+          <a:xfrm>
+            <a:off x="1228726" y="1696720"/>
+            <a:ext cx="4663440" cy="4318000"/>
+          </a:xfrm>
+        </p:spPr>
+        <p:txBody>
+          <a:bodyPr>
+            <a:normAutofit lnSpcReduction="10000"/>
+          </a:bodyPr>
+          <a:lstStyle/>
+          <a:p>
+            <a:pPr marL="285750" indent="-285750">
+              <a:buFont typeface="Arial" panose="020B0604020202020204" pitchFamily="34" charset="0"/>
+              <a:buChar char="•"/>
+            </a:pPr>
+            <a:r>
+              <a:rPr lang="en-US" dirty="0"/>
+              <a:t>WNBA merchandise sales both online at WNBAStore.com and the flagship location in New York City were up a combined 601% from 2023</a:t>
+            </a:r>
+          </a:p>
+          <a:p>
+            <a:pPr marL="285750" indent="-285750">
+              <a:buFont typeface="Arial" panose="020B0604020202020204" pitchFamily="34" charset="0"/>
+              <a:buChar char="•"/>
+            </a:pPr>
+            <a:r>
+              <a:rPr lang="en-US" dirty="0"/>
+              <a:t>Merchandise sales at Dick’s Sporting Goods increased by 233% compared to last season</a:t>
+            </a:r>
+          </a:p>
+          <a:p>
+            <a:pPr marL="285750" indent="-285750">
+              <a:buFont typeface="Arial" panose="020B0604020202020204" pitchFamily="34" charset="0"/>
+              <a:buChar char="•"/>
+            </a:pPr>
+            <a:r>
+              <a:rPr lang="en-US" dirty="0"/>
+              <a:t>Set a single-season record with nearly 2 billion video views across its social media platforms, more than quadruple last season’s total (378 million)</a:t>
+            </a:r>
+          </a:p>
+          <a:p>
+            <a:pPr marL="285750" indent="-285750">
+              <a:buFont typeface="Arial" panose="020B0604020202020204" pitchFamily="34" charset="0"/>
+              <a:buChar char="•"/>
+            </a:pPr>
+            <a:r>
+              <a:rPr lang="en-US" dirty="0"/>
+              <a:t>WNBA App monthly active users grew by 252% compared to last season</a:t>
+            </a:r>
+          </a:p>
+          <a:p>
+            <a:pPr marL="285750" indent="-285750">
+              <a:buFont typeface="Arial" panose="020B0604020202020204" pitchFamily="34" charset="0"/>
+              <a:buChar char="•"/>
+            </a:pPr>
+            <a:r>
+              <a:rPr lang="en-US" dirty="0"/>
+              <a:t>WNBA League Pass, the league’s out-of-market live game package, experienced a 366% growth in subscriptions versus last season</a:t>
+            </a:r>
+          </a:p>
+        </p:txBody>
+      </p:sp>
+    </p:spTree>
+    <p:extLst>
+      <p:ext uri="{BB962C8B-B14F-4D97-AF65-F5344CB8AC3E}">
+        <p14:creationId xmlns:p14="http://schemas.microsoft.com/office/powerpoint/2010/main" val="719664809"/>
       </p:ext>
     </p:extLst>
   </p:cSld>
@@ -15631,26 +14765,6 @@
 </file>
 
 <file path=customXml/item2.xml><?xml version="1.0" encoding="utf-8"?>
-<p:properties xmlns:p="http://schemas.microsoft.com/office/2006/metadata/properties" xmlns:xsi="http://www.w3.org/2001/XMLSchema-instance" xmlns:pc="http://schemas.microsoft.com/office/infopath/2007/PartnerControls">
-  <documentManagement>
-    <_ip_UnifiedCompliancePolicyUIAction xmlns="http://schemas.microsoft.com/sharepoint/v3" xsi:nil="true"/>
-    <Image xmlns="71af3243-3dd4-4a8d-8c0d-dd76da1f02a5">
-      <Url xsi:nil="true"/>
-      <Description xsi:nil="true"/>
-    </Image>
-    <Status xmlns="71af3243-3dd4-4a8d-8c0d-dd76da1f02a5">Not started</Status>
-    <Background xmlns="71af3243-3dd4-4a8d-8c0d-dd76da1f02a5">false</Background>
-    <_ip_UnifiedCompliancePolicyProperties xmlns="http://schemas.microsoft.com/sharepoint/v3" xsi:nil="true"/>
-    <ImageTagsTaxHTField xmlns="71af3243-3dd4-4a8d-8c0d-dd76da1f02a5">
-      <Terms xmlns="http://schemas.microsoft.com/office/infopath/2007/PartnerControls"/>
-    </ImageTagsTaxHTField>
-    <TaxCatchAll xmlns="230e9df3-be65-4c73-a93b-d1236ebd677e" xsi:nil="true"/>
-    <MediaServiceKeyPoints xmlns="71af3243-3dd4-4a8d-8c0d-dd76da1f02a5" xsi:nil="true"/>
-  </documentManagement>
-</p:properties>
-</file>
-
-<file path=customXml/item3.xml><?xml version="1.0" encoding="utf-8"?>
 <ct:contentTypeSchema xmlns:ct="http://schemas.microsoft.com/office/2006/metadata/contentType" xmlns:ma="http://schemas.microsoft.com/office/2006/metadata/properties/metaAttributes" ct:_="" ma:_="" ma:contentTypeName="Document" ma:contentTypeID="0x01010079F111ED35F8CC479449609E8A0923A6" ma:contentTypeVersion="28" ma:contentTypeDescription="Create a new document." ma:contentTypeScope="" ma:versionID="60f5a4f2d2b0abadcf532d48ebf9cb71">
   <xsd:schema xmlns:xsd="http://www.w3.org/2001/XMLSchema" xmlns:xs="http://www.w3.org/2001/XMLSchema" xmlns:p="http://schemas.microsoft.com/office/2006/metadata/properties" xmlns:ns1="http://schemas.microsoft.com/sharepoint/v3" xmlns:ns2="71af3243-3dd4-4a8d-8c0d-dd76da1f02a5" xmlns:ns3="16c05727-aa75-4e4a-9b5f-8a80a1165891" xmlns:ns4="230e9df3-be65-4c73-a93b-d1236ebd677e" targetNamespace="http://schemas.microsoft.com/office/2006/metadata/properties" ma:root="true" ma:fieldsID="7dd78129e6a1811f84807ad11c651531" ns1:_="" ns2:_="" ns3:_="" ns4:_="">
     <xsd:import namespace="http://schemas.microsoft.com/sharepoint/v3"/>
@@ -15962,6 +15076,26 @@
 </ct:contentTypeSchema>
 </file>
 
+<file path=customXml/item3.xml><?xml version="1.0" encoding="utf-8"?>
+<p:properties xmlns:p="http://schemas.microsoft.com/office/2006/metadata/properties" xmlns:xsi="http://www.w3.org/2001/XMLSchema-instance" xmlns:pc="http://schemas.microsoft.com/office/infopath/2007/PartnerControls">
+  <documentManagement>
+    <_ip_UnifiedCompliancePolicyUIAction xmlns="http://schemas.microsoft.com/sharepoint/v3" xsi:nil="true"/>
+    <Image xmlns="71af3243-3dd4-4a8d-8c0d-dd76da1f02a5">
+      <Url xsi:nil="true"/>
+      <Description xsi:nil="true"/>
+    </Image>
+    <Status xmlns="71af3243-3dd4-4a8d-8c0d-dd76da1f02a5">Not started</Status>
+    <Background xmlns="71af3243-3dd4-4a8d-8c0d-dd76da1f02a5">false</Background>
+    <_ip_UnifiedCompliancePolicyProperties xmlns="http://schemas.microsoft.com/sharepoint/v3" xsi:nil="true"/>
+    <ImageTagsTaxHTField xmlns="71af3243-3dd4-4a8d-8c0d-dd76da1f02a5">
+      <Terms xmlns="http://schemas.microsoft.com/office/infopath/2007/PartnerControls"/>
+    </ImageTagsTaxHTField>
+    <TaxCatchAll xmlns="230e9df3-be65-4c73-a93b-d1236ebd677e" xsi:nil="true"/>
+    <MediaServiceKeyPoints xmlns="71af3243-3dd4-4a8d-8c0d-dd76da1f02a5" xsi:nil="true"/>
+  </documentManagement>
+</p:properties>
+</file>
+
 <file path=customXml/itemProps1.xml><?xml version="1.0" encoding="utf-8"?>
 <ds:datastoreItem xmlns:ds="http://schemas.openxmlformats.org/officeDocument/2006/customXml" ds:itemID="{FABD9919-8F5A-4B99-83E1-E90FE1DCF2E1}">
   <ds:schemaRefs>
@@ -15971,25 +15105,6 @@
 </file>
 
 <file path=customXml/itemProps2.xml><?xml version="1.0" encoding="utf-8"?>
-<ds:datastoreItem xmlns:ds="http://schemas.openxmlformats.org/officeDocument/2006/customXml" ds:itemID="{80E87F72-70BF-43BC-A0D4-53665DC12672}">
-  <ds:schemaRefs>
-    <ds:schemaRef ds:uri="http://purl.org/dc/terms/"/>
-    <ds:schemaRef ds:uri="http://schemas.microsoft.com/office/2006/metadata/properties"/>
-    <ds:schemaRef ds:uri="16c05727-aa75-4e4a-9b5f-8a80a1165891"/>
-    <ds:schemaRef ds:uri="http://schemas.microsoft.com/office/2006/documentManagement/types"/>
-    <ds:schemaRef ds:uri="http://purl.org/dc/elements/1.1/"/>
-    <ds:schemaRef ds:uri="http://schemas.openxmlformats.org/package/2006/metadata/core-properties"/>
-    <ds:schemaRef ds:uri="http://purl.org/dc/dcmitype/"/>
-    <ds:schemaRef ds:uri="http://schemas.microsoft.com/office/infopath/2007/PartnerControls"/>
-    <ds:schemaRef ds:uri="http://schemas.microsoft.com/sharepoint/v3"/>
-    <ds:schemaRef ds:uri="230e9df3-be65-4c73-a93b-d1236ebd677e"/>
-    <ds:schemaRef ds:uri="71af3243-3dd4-4a8d-8c0d-dd76da1f02a5"/>
-    <ds:schemaRef ds:uri="http://www.w3.org/XML/1998/namespace"/>
-  </ds:schemaRefs>
-</ds:datastoreItem>
-</file>
-
-<file path=customXml/itemProps3.xml><?xml version="1.0" encoding="utf-8"?>
 <ds:datastoreItem xmlns:ds="http://schemas.openxmlformats.org/officeDocument/2006/customXml" ds:itemID="{52D646E0-DCC8-4209-B539-AA58186B682C}">
   <ds:schemaRefs>
     <ds:schemaRef ds:uri="http://schemas.microsoft.com/office/2006/metadata/contentType"/>
@@ -16010,6 +15125,25 @@
 </ds:datastoreItem>
 </file>
 
+<file path=customXml/itemProps3.xml><?xml version="1.0" encoding="utf-8"?>
+<ds:datastoreItem xmlns:ds="http://schemas.openxmlformats.org/officeDocument/2006/customXml" ds:itemID="{80E87F72-70BF-43BC-A0D4-53665DC12672}">
+  <ds:schemaRefs>
+    <ds:schemaRef ds:uri="http://purl.org/dc/terms/"/>
+    <ds:schemaRef ds:uri="http://schemas.microsoft.com/office/2006/metadata/properties"/>
+    <ds:schemaRef ds:uri="16c05727-aa75-4e4a-9b5f-8a80a1165891"/>
+    <ds:schemaRef ds:uri="http://schemas.microsoft.com/office/2006/documentManagement/types"/>
+    <ds:schemaRef ds:uri="http://purl.org/dc/elements/1.1/"/>
+    <ds:schemaRef ds:uri="http://schemas.openxmlformats.org/package/2006/metadata/core-properties"/>
+    <ds:schemaRef ds:uri="http://purl.org/dc/dcmitype/"/>
+    <ds:schemaRef ds:uri="http://schemas.microsoft.com/office/infopath/2007/PartnerControls"/>
+    <ds:schemaRef ds:uri="http://schemas.microsoft.com/sharepoint/v3"/>
+    <ds:schemaRef ds:uri="230e9df3-be65-4c73-a93b-d1236ebd677e"/>
+    <ds:schemaRef ds:uri="71af3243-3dd4-4a8d-8c0d-dd76da1f02a5"/>
+    <ds:schemaRef ds:uri="http://www.w3.org/XML/1998/namespace"/>
+  </ds:schemaRefs>
+</ds:datastoreItem>
+</file>
+
 <file path=docMetadata/LabelInfo.xml><?xml version="1.0" encoding="utf-8"?>
 <clbl:labelList xmlns:clbl="http://schemas.microsoft.com/office/2020/mipLabelMetadata"/>
 </file>